--- a/Figures/LatticeTypes.pptx
+++ b/Figures/LatticeTypes.pptx
@@ -11,6 +11,8 @@
     <p:sldId id="259" r:id="rId5"/>
     <p:sldId id="261" r:id="rId6"/>
     <p:sldId id="260" r:id="rId7"/>
+    <p:sldId id="263" r:id="rId8"/>
+    <p:sldId id="264" r:id="rId9"/>
   </p:sldIdLst>
   <p:sldSz cx="12192000" cy="6858000"/>
   <p:notesSz cx="6858000" cy="9144000"/>
@@ -128,6 +130,178 @@
 </p:presentation>
 </file>
 
+<file path=ppt/changesInfos/changesInfo1.xml><?xml version="1.0" encoding="utf-8"?>
+<pc:chgInfo xmlns:a="http://schemas.openxmlformats.org/drawingml/2006/main" xmlns:r="http://schemas.openxmlformats.org/officeDocument/2006/relationships" xmlns:ac="http://schemas.microsoft.com/office/drawing/2013/main/command" xmlns:pc="http://schemas.microsoft.com/office/powerpoint/2013/main/command">
+  <pc:docChgLst>
+    <pc:chgData name="Alexander Vanstone" userId="1a8164d057c0635d" providerId="LiveId" clId="{51886AED-A56E-4393-B89A-6D0ECE0457BC}"/>
+    <pc:docChg chg="custSel addSld modSld">
+      <pc:chgData name="Alexander Vanstone" userId="1a8164d057c0635d" providerId="LiveId" clId="{51886AED-A56E-4393-B89A-6D0ECE0457BC}" dt="2018-05-14T13:00:43.729" v="94" actId="14100"/>
+      <pc:docMkLst>
+        <pc:docMk/>
+      </pc:docMkLst>
+      <pc:sldChg chg="addSp delSp modSp add">
+        <pc:chgData name="Alexander Vanstone" userId="1a8164d057c0635d" providerId="LiveId" clId="{51886AED-A56E-4393-B89A-6D0ECE0457BC}" dt="2018-05-14T13:00:43.729" v="94" actId="14100"/>
+        <pc:sldMkLst>
+          <pc:docMk/>
+          <pc:sldMk cId="1023259273" sldId="263"/>
+        </pc:sldMkLst>
+        <pc:spChg chg="del mod">
+          <ac:chgData name="Alexander Vanstone" userId="1a8164d057c0635d" providerId="LiveId" clId="{51886AED-A56E-4393-B89A-6D0ECE0457BC}" dt="2018-05-14T12:57:55.262" v="65" actId="478"/>
+          <ac:spMkLst>
+            <pc:docMk/>
+            <pc:sldMk cId="1023259273" sldId="263"/>
+            <ac:spMk id="2" creationId="{CF9083D6-90CA-42A2-AD8E-9DB0BE70931E}"/>
+          </ac:spMkLst>
+        </pc:spChg>
+        <pc:spChg chg="add del mod">
+          <ac:chgData name="Alexander Vanstone" userId="1a8164d057c0635d" providerId="LiveId" clId="{51886AED-A56E-4393-B89A-6D0ECE0457BC}" dt="2018-05-14T12:58:01.354" v="68" actId="478"/>
+          <ac:spMkLst>
+            <pc:docMk/>
+            <pc:sldMk cId="1023259273" sldId="263"/>
+            <ac:spMk id="16" creationId="{C35255D3-8F45-43EF-B9E5-04C303DD89B3}"/>
+          </ac:spMkLst>
+        </pc:spChg>
+        <pc:grpChg chg="add mod">
+          <ac:chgData name="Alexander Vanstone" userId="1a8164d057c0635d" providerId="LiveId" clId="{51886AED-A56E-4393-B89A-6D0ECE0457BC}" dt="2018-05-14T12:57:46.817" v="62" actId="1076"/>
+          <ac:grpSpMkLst>
+            <pc:docMk/>
+            <pc:sldMk cId="1023259273" sldId="263"/>
+            <ac:grpSpMk id="14" creationId="{C8EABC9C-5BC5-425D-938B-D836C0FDDE98}"/>
+          </ac:grpSpMkLst>
+        </pc:grpChg>
+        <pc:picChg chg="add del mod">
+          <ac:chgData name="Alexander Vanstone" userId="1a8164d057c0635d" providerId="LiveId" clId="{51886AED-A56E-4393-B89A-6D0ECE0457BC}" dt="2018-05-14T12:55:49.376" v="38"/>
+          <ac:picMkLst>
+            <pc:docMk/>
+            <pc:sldMk cId="1023259273" sldId="263"/>
+            <ac:picMk id="4" creationId="{0E9D84E4-978F-42B7-A332-878E07195C02}"/>
+          </ac:picMkLst>
+        </pc:picChg>
+        <pc:picChg chg="add del mod">
+          <ac:chgData name="Alexander Vanstone" userId="1a8164d057c0635d" providerId="LiveId" clId="{51886AED-A56E-4393-B89A-6D0ECE0457BC}" dt="2018-05-14T12:57:50.791" v="64" actId="478"/>
+          <ac:picMkLst>
+            <pc:docMk/>
+            <pc:sldMk cId="1023259273" sldId="263"/>
+            <ac:picMk id="6" creationId="{32C639E9-A450-4B5B-AD07-4A5161B2F39C}"/>
+          </ac:picMkLst>
+        </pc:picChg>
+        <pc:picChg chg="add del mod">
+          <ac:chgData name="Alexander Vanstone" userId="1a8164d057c0635d" providerId="LiveId" clId="{51886AED-A56E-4393-B89A-6D0ECE0457BC}" dt="2018-05-14T12:55:35.467" v="33"/>
+          <ac:picMkLst>
+            <pc:docMk/>
+            <pc:sldMk cId="1023259273" sldId="263"/>
+            <ac:picMk id="8" creationId="{F9FA9AC3-1F73-46A7-BF39-B34300E1EE2A}"/>
+          </ac:picMkLst>
+        </pc:picChg>
+        <pc:picChg chg="add del mod">
+          <ac:chgData name="Alexander Vanstone" userId="1a8164d057c0635d" providerId="LiveId" clId="{51886AED-A56E-4393-B89A-6D0ECE0457BC}" dt="2018-05-14T12:57:48.723" v="63" actId="478"/>
+          <ac:picMkLst>
+            <pc:docMk/>
+            <pc:sldMk cId="1023259273" sldId="263"/>
+            <ac:picMk id="10" creationId="{B9D2EBAB-D2D9-48F3-B831-8A2D2CF2C10B}"/>
+          </ac:picMkLst>
+        </pc:picChg>
+        <pc:picChg chg="add mod">
+          <ac:chgData name="Alexander Vanstone" userId="1a8164d057c0635d" providerId="LiveId" clId="{51886AED-A56E-4393-B89A-6D0ECE0457BC}" dt="2018-05-14T13:00:35.698" v="92" actId="1076"/>
+          <ac:picMkLst>
+            <pc:docMk/>
+            <pc:sldMk cId="1023259273" sldId="263"/>
+            <ac:picMk id="11" creationId="{EF084D69-E32D-4941-ABA8-42D1C8055FA2}"/>
+          </ac:picMkLst>
+        </pc:picChg>
+        <pc:picChg chg="add mod">
+          <ac:chgData name="Alexander Vanstone" userId="1a8164d057c0635d" providerId="LiveId" clId="{51886AED-A56E-4393-B89A-6D0ECE0457BC}" dt="2018-05-14T12:57:44.646" v="61" actId="164"/>
+          <ac:picMkLst>
+            <pc:docMk/>
+            <pc:sldMk cId="1023259273" sldId="263"/>
+            <ac:picMk id="12" creationId="{F3FF303D-421B-4EA0-960C-7244D4FF450D}"/>
+          </ac:picMkLst>
+        </pc:picChg>
+        <pc:picChg chg="add mod">
+          <ac:chgData name="Alexander Vanstone" userId="1a8164d057c0635d" providerId="LiveId" clId="{51886AED-A56E-4393-B89A-6D0ECE0457BC}" dt="2018-05-14T12:57:44.646" v="61" actId="164"/>
+          <ac:picMkLst>
+            <pc:docMk/>
+            <pc:sldMk cId="1023259273" sldId="263"/>
+            <ac:picMk id="13" creationId="{74120BA5-6DD1-4A68-A511-885CFC225946}"/>
+          </ac:picMkLst>
+        </pc:picChg>
+        <pc:picChg chg="add mod">
+          <ac:chgData name="Alexander Vanstone" userId="1a8164d057c0635d" providerId="LiveId" clId="{51886AED-A56E-4393-B89A-6D0ECE0457BC}" dt="2018-05-14T13:00:43.729" v="94" actId="14100"/>
+          <ac:picMkLst>
+            <pc:docMk/>
+            <pc:sldMk cId="1023259273" sldId="263"/>
+            <ac:picMk id="17" creationId="{58D081B8-0345-49C4-B568-2FA76C7B2CF7}"/>
+          </ac:picMkLst>
+        </pc:picChg>
+      </pc:sldChg>
+      <pc:sldChg chg="addSp delSp modSp add">
+        <pc:chgData name="Alexander Vanstone" userId="1a8164d057c0635d" providerId="LiveId" clId="{51886AED-A56E-4393-B89A-6D0ECE0457BC}" dt="2018-05-14T13:00:18.161" v="90" actId="14100"/>
+        <pc:sldMkLst>
+          <pc:docMk/>
+          <pc:sldMk cId="4154893946" sldId="264"/>
+        </pc:sldMkLst>
+        <pc:spChg chg="del">
+          <ac:chgData name="Alexander Vanstone" userId="1a8164d057c0635d" providerId="LiveId" clId="{51886AED-A56E-4393-B89A-6D0ECE0457BC}" dt="2018-05-14T12:58:10.638" v="72" actId="478"/>
+          <ac:spMkLst>
+            <pc:docMk/>
+            <pc:sldMk cId="4154893946" sldId="264"/>
+            <ac:spMk id="2" creationId="{AF27C040-584E-44BC-BCFC-20C84B85B794}"/>
+          </ac:spMkLst>
+        </pc:spChg>
+        <pc:grpChg chg="add mod">
+          <ac:chgData name="Alexander Vanstone" userId="1a8164d057c0635d" providerId="LiveId" clId="{51886AED-A56E-4393-B89A-6D0ECE0457BC}" dt="2018-05-14T12:58:33.075" v="80" actId="1076"/>
+          <ac:grpSpMkLst>
+            <pc:docMk/>
+            <pc:sldMk cId="4154893946" sldId="264"/>
+            <ac:grpSpMk id="5" creationId="{A8D9E39F-DC99-470D-989B-DFE775B6135A}"/>
+          </ac:grpSpMkLst>
+        </pc:grpChg>
+        <pc:picChg chg="add mod">
+          <ac:chgData name="Alexander Vanstone" userId="1a8164d057c0635d" providerId="LiveId" clId="{51886AED-A56E-4393-B89A-6D0ECE0457BC}" dt="2018-05-14T12:58:30.743" v="79" actId="164"/>
+          <ac:picMkLst>
+            <pc:docMk/>
+            <pc:sldMk cId="4154893946" sldId="264"/>
+            <ac:picMk id="3" creationId="{6F254DFB-EFE3-4351-8084-01C4E9DF26D3}"/>
+          </ac:picMkLst>
+        </pc:picChg>
+        <pc:picChg chg="add mod">
+          <ac:chgData name="Alexander Vanstone" userId="1a8164d057c0635d" providerId="LiveId" clId="{51886AED-A56E-4393-B89A-6D0ECE0457BC}" dt="2018-05-14T12:58:30.743" v="79" actId="164"/>
+          <ac:picMkLst>
+            <pc:docMk/>
+            <pc:sldMk cId="4154893946" sldId="264"/>
+            <ac:picMk id="4" creationId="{49A2FB71-0ECE-4E2D-98E9-99EFCA122317}"/>
+          </ac:picMkLst>
+        </pc:picChg>
+        <pc:picChg chg="add mod">
+          <ac:chgData name="Alexander Vanstone" userId="1a8164d057c0635d" providerId="LiveId" clId="{51886AED-A56E-4393-B89A-6D0ECE0457BC}" dt="2018-05-14T12:58:59.418" v="85" actId="1076"/>
+          <ac:picMkLst>
+            <pc:docMk/>
+            <pc:sldMk cId="4154893946" sldId="264"/>
+            <ac:picMk id="6" creationId="{EB4E3536-9113-41FD-A93E-C4245DB297EC}"/>
+          </ac:picMkLst>
+        </pc:picChg>
+        <pc:picChg chg="add del">
+          <ac:chgData name="Alexander Vanstone" userId="1a8164d057c0635d" providerId="LiveId" clId="{51886AED-A56E-4393-B89A-6D0ECE0457BC}" dt="2018-05-14T12:59:38.314" v="87"/>
+          <ac:picMkLst>
+            <pc:docMk/>
+            <pc:sldMk cId="4154893946" sldId="264"/>
+            <ac:picMk id="7" creationId="{53F70DA4-133F-4758-BEF2-CA41D4D4F46C}"/>
+          </ac:picMkLst>
+        </pc:picChg>
+        <pc:picChg chg="add mod">
+          <ac:chgData name="Alexander Vanstone" userId="1a8164d057c0635d" providerId="LiveId" clId="{51886AED-A56E-4393-B89A-6D0ECE0457BC}" dt="2018-05-14T13:00:18.161" v="90" actId="14100"/>
+          <ac:picMkLst>
+            <pc:docMk/>
+            <pc:sldMk cId="4154893946" sldId="264"/>
+            <ac:picMk id="8" creationId="{3592A2A1-583B-47D3-8226-64148E289244}"/>
+          </ac:picMkLst>
+        </pc:picChg>
+      </pc:sldChg>
+    </pc:docChg>
+  </pc:docChgLst>
+</pc:chgInfo>
+</file>
+
 <file path=ppt/slideLayouts/slideLayout1.xml><?xml version="1.0" encoding="utf-8"?>
 <p:sldLayout xmlns:a="http://schemas.openxmlformats.org/drawingml/2006/main" xmlns:r="http://schemas.openxmlformats.org/officeDocument/2006/relationships" xmlns:p="http://schemas.openxmlformats.org/presentationml/2006/main" type="title" preserve="1">
   <p:cSld name="Title Slide">
@@ -170,7 +344,7 @@
           </a:lstStyle>
           <a:p>
             <a:r>
-              <a:rPr lang="en-US" smtClean="0"/>
+              <a:rPr lang="en-US"/>
               <a:t>Click to edit Master title style</a:t>
             </a:r>
             <a:endParaRPr lang="en-GB"/>
@@ -235,7 +409,7 @@
           </a:lstStyle>
           <a:p>
             <a:r>
-              <a:rPr lang="en-US" smtClean="0"/>
+              <a:rPr lang="en-US"/>
               <a:t>Click to edit Master subtitle style</a:t>
             </a:r>
             <a:endParaRPr lang="en-GB"/>
@@ -259,7 +433,7 @@
           <a:p>
             <a:fld id="{A4F8ACEF-36E8-4D67-9DB7-8760D5FF330E}" type="datetimeFigureOut">
               <a:rPr lang="en-GB" smtClean="0"/>
-              <a:t>10/05/2018</a:t>
+              <a:t>14/05/2018</a:t>
             </a:fld>
             <a:endParaRPr lang="en-GB"/>
           </a:p>
@@ -353,7 +527,7 @@
           <a:lstStyle/>
           <a:p>
             <a:r>
-              <a:rPr lang="en-US" smtClean="0"/>
+              <a:rPr lang="en-US"/>
               <a:t>Click to edit Master title style</a:t>
             </a:r>
             <a:endParaRPr lang="en-GB"/>
@@ -377,35 +551,35 @@
           <a:p>
             <a:pPr lvl="0"/>
             <a:r>
-              <a:rPr lang="en-US" smtClean="0"/>
+              <a:rPr lang="en-US"/>
               <a:t>Edit Master text styles</a:t>
             </a:r>
           </a:p>
           <a:p>
             <a:pPr lvl="1"/>
             <a:r>
-              <a:rPr lang="en-US" smtClean="0"/>
+              <a:rPr lang="en-US"/>
               <a:t>Second level</a:t>
             </a:r>
           </a:p>
           <a:p>
             <a:pPr lvl="2"/>
             <a:r>
-              <a:rPr lang="en-US" smtClean="0"/>
+              <a:rPr lang="en-US"/>
               <a:t>Third level</a:t>
             </a:r>
           </a:p>
           <a:p>
             <a:pPr lvl="3"/>
             <a:r>
-              <a:rPr lang="en-US" smtClean="0"/>
+              <a:rPr lang="en-US"/>
               <a:t>Fourth level</a:t>
             </a:r>
           </a:p>
           <a:p>
             <a:pPr lvl="4"/>
             <a:r>
-              <a:rPr lang="en-US" smtClean="0"/>
+              <a:rPr lang="en-US"/>
               <a:t>Fifth level</a:t>
             </a:r>
             <a:endParaRPr lang="en-GB"/>
@@ -429,7 +603,7 @@
           <a:p>
             <a:fld id="{A4F8ACEF-36E8-4D67-9DB7-8760D5FF330E}" type="datetimeFigureOut">
               <a:rPr lang="en-GB" smtClean="0"/>
-              <a:t>10/05/2018</a:t>
+              <a:t>14/05/2018</a:t>
             </a:fld>
             <a:endParaRPr lang="en-GB"/>
           </a:p>
@@ -528,7 +702,7 @@
           <a:lstStyle/>
           <a:p>
             <a:r>
-              <a:rPr lang="en-US" smtClean="0"/>
+              <a:rPr lang="en-US"/>
               <a:t>Click to edit Master title style</a:t>
             </a:r>
             <a:endParaRPr lang="en-GB"/>
@@ -557,35 +731,35 @@
           <a:p>
             <a:pPr lvl="0"/>
             <a:r>
-              <a:rPr lang="en-US" smtClean="0"/>
+              <a:rPr lang="en-US"/>
               <a:t>Edit Master text styles</a:t>
             </a:r>
           </a:p>
           <a:p>
             <a:pPr lvl="1"/>
             <a:r>
-              <a:rPr lang="en-US" smtClean="0"/>
+              <a:rPr lang="en-US"/>
               <a:t>Second level</a:t>
             </a:r>
           </a:p>
           <a:p>
             <a:pPr lvl="2"/>
             <a:r>
-              <a:rPr lang="en-US" smtClean="0"/>
+              <a:rPr lang="en-US"/>
               <a:t>Third level</a:t>
             </a:r>
           </a:p>
           <a:p>
             <a:pPr lvl="3"/>
             <a:r>
-              <a:rPr lang="en-US" smtClean="0"/>
+              <a:rPr lang="en-US"/>
               <a:t>Fourth level</a:t>
             </a:r>
           </a:p>
           <a:p>
             <a:pPr lvl="4"/>
             <a:r>
-              <a:rPr lang="en-US" smtClean="0"/>
+              <a:rPr lang="en-US"/>
               <a:t>Fifth level</a:t>
             </a:r>
             <a:endParaRPr lang="en-GB"/>
@@ -609,7 +783,7 @@
           <a:p>
             <a:fld id="{A4F8ACEF-36E8-4D67-9DB7-8760D5FF330E}" type="datetimeFigureOut">
               <a:rPr lang="en-GB" smtClean="0"/>
-              <a:t>10/05/2018</a:t>
+              <a:t>14/05/2018</a:t>
             </a:fld>
             <a:endParaRPr lang="en-GB"/>
           </a:p>
@@ -703,7 +877,7 @@
           <a:lstStyle/>
           <a:p>
             <a:r>
-              <a:rPr lang="en-US" smtClean="0"/>
+              <a:rPr lang="en-US"/>
               <a:t>Click to edit Master title style</a:t>
             </a:r>
             <a:endParaRPr lang="en-GB"/>
@@ -727,35 +901,35 @@
           <a:p>
             <a:pPr lvl="0"/>
             <a:r>
-              <a:rPr lang="en-US" smtClean="0"/>
+              <a:rPr lang="en-US"/>
               <a:t>Edit Master text styles</a:t>
             </a:r>
           </a:p>
           <a:p>
             <a:pPr lvl="1"/>
             <a:r>
-              <a:rPr lang="en-US" smtClean="0"/>
+              <a:rPr lang="en-US"/>
               <a:t>Second level</a:t>
             </a:r>
           </a:p>
           <a:p>
             <a:pPr lvl="2"/>
             <a:r>
-              <a:rPr lang="en-US" smtClean="0"/>
+              <a:rPr lang="en-US"/>
               <a:t>Third level</a:t>
             </a:r>
           </a:p>
           <a:p>
             <a:pPr lvl="3"/>
             <a:r>
-              <a:rPr lang="en-US" smtClean="0"/>
+              <a:rPr lang="en-US"/>
               <a:t>Fourth level</a:t>
             </a:r>
           </a:p>
           <a:p>
             <a:pPr lvl="4"/>
             <a:r>
-              <a:rPr lang="en-US" smtClean="0"/>
+              <a:rPr lang="en-US"/>
               <a:t>Fifth level</a:t>
             </a:r>
             <a:endParaRPr lang="en-GB"/>
@@ -779,7 +953,7 @@
           <a:p>
             <a:fld id="{A4F8ACEF-36E8-4D67-9DB7-8760D5FF330E}" type="datetimeFigureOut">
               <a:rPr lang="en-GB" smtClean="0"/>
-              <a:t>10/05/2018</a:t>
+              <a:t>14/05/2018</a:t>
             </a:fld>
             <a:endParaRPr lang="en-GB"/>
           </a:p>
@@ -882,7 +1056,7 @@
           </a:lstStyle>
           <a:p>
             <a:r>
-              <a:rPr lang="en-US" smtClean="0"/>
+              <a:rPr lang="en-US"/>
               <a:t>Click to edit Master title style</a:t>
             </a:r>
             <a:endParaRPr lang="en-GB"/>
@@ -1002,7 +1176,7 @@
           <a:p>
             <a:pPr lvl="0"/>
             <a:r>
-              <a:rPr lang="en-US" smtClean="0"/>
+              <a:rPr lang="en-US"/>
               <a:t>Edit Master text styles</a:t>
             </a:r>
           </a:p>
@@ -1025,7 +1199,7 @@
           <a:p>
             <a:fld id="{A4F8ACEF-36E8-4D67-9DB7-8760D5FF330E}" type="datetimeFigureOut">
               <a:rPr lang="en-GB" smtClean="0"/>
-              <a:t>10/05/2018</a:t>
+              <a:t>14/05/2018</a:t>
             </a:fld>
             <a:endParaRPr lang="en-GB"/>
           </a:p>
@@ -1119,7 +1293,7 @@
           <a:lstStyle/>
           <a:p>
             <a:r>
-              <a:rPr lang="en-US" smtClean="0"/>
+              <a:rPr lang="en-US"/>
               <a:t>Click to edit Master title style</a:t>
             </a:r>
             <a:endParaRPr lang="en-GB"/>
@@ -1148,35 +1322,35 @@
           <a:p>
             <a:pPr lvl="0"/>
             <a:r>
-              <a:rPr lang="en-US" smtClean="0"/>
+              <a:rPr lang="en-US"/>
               <a:t>Edit Master text styles</a:t>
             </a:r>
           </a:p>
           <a:p>
             <a:pPr lvl="1"/>
             <a:r>
-              <a:rPr lang="en-US" smtClean="0"/>
+              <a:rPr lang="en-US"/>
               <a:t>Second level</a:t>
             </a:r>
           </a:p>
           <a:p>
             <a:pPr lvl="2"/>
             <a:r>
-              <a:rPr lang="en-US" smtClean="0"/>
+              <a:rPr lang="en-US"/>
               <a:t>Third level</a:t>
             </a:r>
           </a:p>
           <a:p>
             <a:pPr lvl="3"/>
             <a:r>
-              <a:rPr lang="en-US" smtClean="0"/>
+              <a:rPr lang="en-US"/>
               <a:t>Fourth level</a:t>
             </a:r>
           </a:p>
           <a:p>
             <a:pPr lvl="4"/>
             <a:r>
-              <a:rPr lang="en-US" smtClean="0"/>
+              <a:rPr lang="en-US"/>
               <a:t>Fifth level</a:t>
             </a:r>
             <a:endParaRPr lang="en-GB"/>
@@ -1205,35 +1379,35 @@
           <a:p>
             <a:pPr lvl="0"/>
             <a:r>
-              <a:rPr lang="en-US" smtClean="0"/>
+              <a:rPr lang="en-US"/>
               <a:t>Edit Master text styles</a:t>
             </a:r>
           </a:p>
           <a:p>
             <a:pPr lvl="1"/>
             <a:r>
-              <a:rPr lang="en-US" smtClean="0"/>
+              <a:rPr lang="en-US"/>
               <a:t>Second level</a:t>
             </a:r>
           </a:p>
           <a:p>
             <a:pPr lvl="2"/>
             <a:r>
-              <a:rPr lang="en-US" smtClean="0"/>
+              <a:rPr lang="en-US"/>
               <a:t>Third level</a:t>
             </a:r>
           </a:p>
           <a:p>
             <a:pPr lvl="3"/>
             <a:r>
-              <a:rPr lang="en-US" smtClean="0"/>
+              <a:rPr lang="en-US"/>
               <a:t>Fourth level</a:t>
             </a:r>
           </a:p>
           <a:p>
             <a:pPr lvl="4"/>
             <a:r>
-              <a:rPr lang="en-US" smtClean="0"/>
+              <a:rPr lang="en-US"/>
               <a:t>Fifth level</a:t>
             </a:r>
             <a:endParaRPr lang="en-GB"/>
@@ -1257,7 +1431,7 @@
           <a:p>
             <a:fld id="{A4F8ACEF-36E8-4D67-9DB7-8760D5FF330E}" type="datetimeFigureOut">
               <a:rPr lang="en-GB" smtClean="0"/>
-              <a:t>10/05/2018</a:t>
+              <a:t>14/05/2018</a:t>
             </a:fld>
             <a:endParaRPr lang="en-GB"/>
           </a:p>
@@ -1356,7 +1530,7 @@
           <a:lstStyle/>
           <a:p>
             <a:r>
-              <a:rPr lang="en-US" smtClean="0"/>
+              <a:rPr lang="en-US"/>
               <a:t>Click to edit Master title style</a:t>
             </a:r>
             <a:endParaRPr lang="en-GB"/>
@@ -1422,7 +1596,7 @@
           <a:p>
             <a:pPr lvl="0"/>
             <a:r>
-              <a:rPr lang="en-US" smtClean="0"/>
+              <a:rPr lang="en-US"/>
               <a:t>Edit Master text styles</a:t>
             </a:r>
           </a:p>
@@ -1450,35 +1624,35 @@
           <a:p>
             <a:pPr lvl="0"/>
             <a:r>
-              <a:rPr lang="en-US" smtClean="0"/>
+              <a:rPr lang="en-US"/>
               <a:t>Edit Master text styles</a:t>
             </a:r>
           </a:p>
           <a:p>
             <a:pPr lvl="1"/>
             <a:r>
-              <a:rPr lang="en-US" smtClean="0"/>
+              <a:rPr lang="en-US"/>
               <a:t>Second level</a:t>
             </a:r>
           </a:p>
           <a:p>
             <a:pPr lvl="2"/>
             <a:r>
-              <a:rPr lang="en-US" smtClean="0"/>
+              <a:rPr lang="en-US"/>
               <a:t>Third level</a:t>
             </a:r>
           </a:p>
           <a:p>
             <a:pPr lvl="3"/>
             <a:r>
-              <a:rPr lang="en-US" smtClean="0"/>
+              <a:rPr lang="en-US"/>
               <a:t>Fourth level</a:t>
             </a:r>
           </a:p>
           <a:p>
             <a:pPr lvl="4"/>
             <a:r>
-              <a:rPr lang="en-US" smtClean="0"/>
+              <a:rPr lang="en-US"/>
               <a:t>Fifth level</a:t>
             </a:r>
             <a:endParaRPr lang="en-GB"/>
@@ -1544,7 +1718,7 @@
           <a:p>
             <a:pPr lvl="0"/>
             <a:r>
-              <a:rPr lang="en-US" smtClean="0"/>
+              <a:rPr lang="en-US"/>
               <a:t>Edit Master text styles</a:t>
             </a:r>
           </a:p>
@@ -1572,35 +1746,35 @@
           <a:p>
             <a:pPr lvl="0"/>
             <a:r>
-              <a:rPr lang="en-US" smtClean="0"/>
+              <a:rPr lang="en-US"/>
               <a:t>Edit Master text styles</a:t>
             </a:r>
           </a:p>
           <a:p>
             <a:pPr lvl="1"/>
             <a:r>
-              <a:rPr lang="en-US" smtClean="0"/>
+              <a:rPr lang="en-US"/>
               <a:t>Second level</a:t>
             </a:r>
           </a:p>
           <a:p>
             <a:pPr lvl="2"/>
             <a:r>
-              <a:rPr lang="en-US" smtClean="0"/>
+              <a:rPr lang="en-US"/>
               <a:t>Third level</a:t>
             </a:r>
           </a:p>
           <a:p>
             <a:pPr lvl="3"/>
             <a:r>
-              <a:rPr lang="en-US" smtClean="0"/>
+              <a:rPr lang="en-US"/>
               <a:t>Fourth level</a:t>
             </a:r>
           </a:p>
           <a:p>
             <a:pPr lvl="4"/>
             <a:r>
-              <a:rPr lang="en-US" smtClean="0"/>
+              <a:rPr lang="en-US"/>
               <a:t>Fifth level</a:t>
             </a:r>
             <a:endParaRPr lang="en-GB"/>
@@ -1624,7 +1798,7 @@
           <a:p>
             <a:fld id="{A4F8ACEF-36E8-4D67-9DB7-8760D5FF330E}" type="datetimeFigureOut">
               <a:rPr lang="en-GB" smtClean="0"/>
-              <a:t>10/05/2018</a:t>
+              <a:t>14/05/2018</a:t>
             </a:fld>
             <a:endParaRPr lang="en-GB"/>
           </a:p>
@@ -1718,7 +1892,7 @@
           <a:lstStyle/>
           <a:p>
             <a:r>
-              <a:rPr lang="en-US" smtClean="0"/>
+              <a:rPr lang="en-US"/>
               <a:t>Click to edit Master title style</a:t>
             </a:r>
             <a:endParaRPr lang="en-GB"/>
@@ -1742,7 +1916,7 @@
           <a:p>
             <a:fld id="{A4F8ACEF-36E8-4D67-9DB7-8760D5FF330E}" type="datetimeFigureOut">
               <a:rPr lang="en-GB" smtClean="0"/>
-              <a:t>10/05/2018</a:t>
+              <a:t>14/05/2018</a:t>
             </a:fld>
             <a:endParaRPr lang="en-GB"/>
           </a:p>
@@ -1837,7 +2011,7 @@
           <a:p>
             <a:fld id="{A4F8ACEF-36E8-4D67-9DB7-8760D5FF330E}" type="datetimeFigureOut">
               <a:rPr lang="en-GB" smtClean="0"/>
-              <a:t>10/05/2018</a:t>
+              <a:t>14/05/2018</a:t>
             </a:fld>
             <a:endParaRPr lang="en-GB"/>
           </a:p>
@@ -1940,7 +2114,7 @@
           </a:lstStyle>
           <a:p>
             <a:r>
-              <a:rPr lang="en-US" smtClean="0"/>
+              <a:rPr lang="en-US"/>
               <a:t>Click to edit Master title style</a:t>
             </a:r>
             <a:endParaRPr lang="en-GB"/>
@@ -1997,35 +2171,35 @@
           <a:p>
             <a:pPr lvl="0"/>
             <a:r>
-              <a:rPr lang="en-US" smtClean="0"/>
+              <a:rPr lang="en-US"/>
               <a:t>Edit Master text styles</a:t>
             </a:r>
           </a:p>
           <a:p>
             <a:pPr lvl="1"/>
             <a:r>
-              <a:rPr lang="en-US" smtClean="0"/>
+              <a:rPr lang="en-US"/>
               <a:t>Second level</a:t>
             </a:r>
           </a:p>
           <a:p>
             <a:pPr lvl="2"/>
             <a:r>
-              <a:rPr lang="en-US" smtClean="0"/>
+              <a:rPr lang="en-US"/>
               <a:t>Third level</a:t>
             </a:r>
           </a:p>
           <a:p>
             <a:pPr lvl="3"/>
             <a:r>
-              <a:rPr lang="en-US" smtClean="0"/>
+              <a:rPr lang="en-US"/>
               <a:t>Fourth level</a:t>
             </a:r>
           </a:p>
           <a:p>
             <a:pPr lvl="4"/>
             <a:r>
-              <a:rPr lang="en-US" smtClean="0"/>
+              <a:rPr lang="en-US"/>
               <a:t>Fifth level</a:t>
             </a:r>
             <a:endParaRPr lang="en-GB"/>
@@ -2091,7 +2265,7 @@
           <a:p>
             <a:pPr lvl="0"/>
             <a:r>
-              <a:rPr lang="en-US" smtClean="0"/>
+              <a:rPr lang="en-US"/>
               <a:t>Edit Master text styles</a:t>
             </a:r>
           </a:p>
@@ -2114,7 +2288,7 @@
           <a:p>
             <a:fld id="{A4F8ACEF-36E8-4D67-9DB7-8760D5FF330E}" type="datetimeFigureOut">
               <a:rPr lang="en-GB" smtClean="0"/>
-              <a:t>10/05/2018</a:t>
+              <a:t>14/05/2018</a:t>
             </a:fld>
             <a:endParaRPr lang="en-GB"/>
           </a:p>
@@ -2217,7 +2391,7 @@
           </a:lstStyle>
           <a:p>
             <a:r>
-              <a:rPr lang="en-US" smtClean="0"/>
+              <a:rPr lang="en-US"/>
               <a:t>Click to edit Master title style</a:t>
             </a:r>
             <a:endParaRPr lang="en-GB"/>
@@ -2344,7 +2518,7 @@
           <a:p>
             <a:pPr lvl="0"/>
             <a:r>
-              <a:rPr lang="en-US" smtClean="0"/>
+              <a:rPr lang="en-US"/>
               <a:t>Edit Master text styles</a:t>
             </a:r>
           </a:p>
@@ -2367,7 +2541,7 @@
           <a:p>
             <a:fld id="{A4F8ACEF-36E8-4D67-9DB7-8760D5FF330E}" type="datetimeFigureOut">
               <a:rPr lang="en-GB" smtClean="0"/>
-              <a:t>10/05/2018</a:t>
+              <a:t>14/05/2018</a:t>
             </a:fld>
             <a:endParaRPr lang="en-GB"/>
           </a:p>
@@ -2476,7 +2650,7 @@
           <a:lstStyle/>
           <a:p>
             <a:r>
-              <a:rPr lang="en-US" smtClean="0"/>
+              <a:rPr lang="en-US"/>
               <a:t>Click to edit Master title style</a:t>
             </a:r>
             <a:endParaRPr lang="en-GB"/>
@@ -2510,35 +2684,35 @@
           <a:p>
             <a:pPr lvl="0"/>
             <a:r>
-              <a:rPr lang="en-US" smtClean="0"/>
+              <a:rPr lang="en-US"/>
               <a:t>Edit Master text styles</a:t>
             </a:r>
           </a:p>
           <a:p>
             <a:pPr lvl="1"/>
             <a:r>
-              <a:rPr lang="en-US" smtClean="0"/>
+              <a:rPr lang="en-US"/>
               <a:t>Second level</a:t>
             </a:r>
           </a:p>
           <a:p>
             <a:pPr lvl="2"/>
             <a:r>
-              <a:rPr lang="en-US" smtClean="0"/>
+              <a:rPr lang="en-US"/>
               <a:t>Third level</a:t>
             </a:r>
           </a:p>
           <a:p>
             <a:pPr lvl="3"/>
             <a:r>
-              <a:rPr lang="en-US" smtClean="0"/>
+              <a:rPr lang="en-US"/>
               <a:t>Fourth level</a:t>
             </a:r>
           </a:p>
           <a:p>
             <a:pPr lvl="4"/>
             <a:r>
-              <a:rPr lang="en-US" smtClean="0"/>
+              <a:rPr lang="en-US"/>
               <a:t>Fifth level</a:t>
             </a:r>
             <a:endParaRPr lang="en-GB"/>
@@ -2580,7 +2754,7 @@
           <a:p>
             <a:fld id="{A4F8ACEF-36E8-4D67-9DB7-8760D5FF330E}" type="datetimeFigureOut">
               <a:rPr lang="en-GB" smtClean="0"/>
-              <a:t>10/05/2018</a:t>
+              <a:t>14/05/2018</a:t>
             </a:fld>
             <a:endParaRPr lang="en-GB"/>
           </a:p>
@@ -3001,10 +3175,9 @@
           <a:lstStyle/>
           <a:p>
             <a:r>
-              <a:rPr lang="en-GB" dirty="0" smtClean="0"/>
+              <a:rPr lang="en-GB" dirty="0"/>
               <a:t>Square</a:t>
             </a:r>
-            <a:endParaRPr lang="en-GB" dirty="0"/>
           </a:p>
         </p:txBody>
       </p:sp>
@@ -3084,10 +3257,9 @@
           <a:lstStyle/>
           <a:p>
             <a:r>
-              <a:rPr lang="en-GB" dirty="0" smtClean="0"/>
+              <a:rPr lang="en-GB" dirty="0"/>
               <a:t>Kagome</a:t>
             </a:r>
-            <a:endParaRPr lang="en-GB" dirty="0"/>
           </a:p>
         </p:txBody>
       </p:sp>
@@ -3227,10 +3399,9 @@
           <a:lstStyle/>
           <a:p>
             <a:r>
-              <a:rPr lang="en-GB" dirty="0" smtClean="0"/>
+              <a:rPr lang="en-GB" dirty="0"/>
               <a:t>Shakti (short island)</a:t>
             </a:r>
-            <a:endParaRPr lang="en-GB" dirty="0"/>
           </a:p>
         </p:txBody>
       </p:sp>
@@ -3309,10 +3480,9 @@
           <a:lstStyle/>
           <a:p>
             <a:r>
-              <a:rPr lang="en-GB" dirty="0" smtClean="0"/>
+              <a:rPr lang="en-GB" dirty="0"/>
               <a:t>Shakti (long island)</a:t>
             </a:r>
-            <a:endParaRPr lang="en-GB" dirty="0"/>
           </a:p>
         </p:txBody>
       </p:sp>
@@ -3391,10 +3561,9 @@
           <a:lstStyle/>
           <a:p>
             <a:r>
-              <a:rPr lang="en-GB" dirty="0" smtClean="0"/>
+              <a:rPr lang="en-GB" dirty="0"/>
               <a:t>Tetris</a:t>
             </a:r>
-            <a:endParaRPr lang="en-GB" dirty="0"/>
           </a:p>
         </p:txBody>
       </p:sp>
@@ -3431,6 +3600,372 @@
     <p:extLst>
       <p:ext uri="{BB962C8B-B14F-4D97-AF65-F5344CB8AC3E}">
         <p14:creationId xmlns:p14="http://schemas.microsoft.com/office/powerpoint/2010/main" val="2982563194"/>
+      </p:ext>
+    </p:extLst>
+  </p:cSld>
+  <p:clrMapOvr>
+    <a:masterClrMapping/>
+  </p:clrMapOvr>
+</p:sld>
+</file>
+
+<file path=ppt/slides/slide7.xml><?xml version="1.0" encoding="utf-8"?>
+<p:sld xmlns:a="http://schemas.openxmlformats.org/drawingml/2006/main" xmlns:r="http://schemas.openxmlformats.org/officeDocument/2006/relationships" xmlns:p="http://schemas.openxmlformats.org/presentationml/2006/main">
+  <p:cSld>
+    <p:spTree>
+      <p:nvGrpSpPr>
+        <p:cNvPr id="1" name=""/>
+        <p:cNvGrpSpPr/>
+        <p:nvPr/>
+      </p:nvGrpSpPr>
+      <p:grpSpPr>
+        <a:xfrm>
+          <a:off x="0" y="0"/>
+          <a:ext cx="0" cy="0"/>
+          <a:chOff x="0" y="0"/>
+          <a:chExt cx="0" cy="0"/>
+        </a:xfrm>
+      </p:grpSpPr>
+      <p:pic>
+        <p:nvPicPr>
+          <p:cNvPr id="11" name="Picture 10">
+            <a:extLst>
+              <a:ext uri="{FF2B5EF4-FFF2-40B4-BE49-F238E27FC236}">
+                <a16:creationId xmlns:a16="http://schemas.microsoft.com/office/drawing/2014/main" id="{EF084D69-E32D-4941-ABA8-42D1C8055FA2}"/>
+              </a:ext>
+            </a:extLst>
+          </p:cNvPr>
+          <p:cNvPicPr>
+            <a:picLocks noChangeAspect="1"/>
+          </p:cNvPicPr>
+          <p:nvPr/>
+        </p:nvPicPr>
+        <p:blipFill>
+          <a:blip r:embed="rId2"/>
+          <a:stretch>
+            <a:fillRect/>
+          </a:stretch>
+        </p:blipFill>
+        <p:spPr>
+          <a:xfrm>
+            <a:off x="975229" y="3428999"/>
+            <a:ext cx="7483308" cy="3061891"/>
+          </a:xfrm>
+          <a:prstGeom prst="rect">
+            <a:avLst/>
+          </a:prstGeom>
+        </p:spPr>
+      </p:pic>
+      <p:grpSp>
+        <p:nvGrpSpPr>
+          <p:cNvPr id="14" name="Group 13">
+            <a:extLst>
+              <a:ext uri="{FF2B5EF4-FFF2-40B4-BE49-F238E27FC236}">
+                <a16:creationId xmlns:a16="http://schemas.microsoft.com/office/drawing/2014/main" id="{C8EABC9C-5BC5-425D-938B-D836C0FDDE98}"/>
+              </a:ext>
+            </a:extLst>
+          </p:cNvPr>
+          <p:cNvGrpSpPr/>
+          <p:nvPr/>
+        </p:nvGrpSpPr>
+        <p:grpSpPr>
+          <a:xfrm>
+            <a:off x="781646" y="454883"/>
+            <a:ext cx="8184636" cy="2908386"/>
+            <a:chOff x="1783131" y="1078998"/>
+            <a:chExt cx="8184636" cy="2908386"/>
+          </a:xfrm>
+        </p:grpSpPr>
+        <p:pic>
+          <p:nvPicPr>
+            <p:cNvPr id="12" name="Picture 11" descr="A screenshot of a social media post&#10;&#10;Description generated with very high confidence">
+              <a:extLst>
+                <a:ext uri="{FF2B5EF4-FFF2-40B4-BE49-F238E27FC236}">
+                  <a16:creationId xmlns:a16="http://schemas.microsoft.com/office/drawing/2014/main" id="{F3FF303D-421B-4EA0-960C-7244D4FF450D}"/>
+                </a:ext>
+              </a:extLst>
+            </p:cNvPr>
+            <p:cNvPicPr>
+              <a:picLocks noChangeAspect="1"/>
+            </p:cNvPicPr>
+            <p:nvPr/>
+          </p:nvPicPr>
+          <p:blipFill>
+            <a:blip r:embed="rId3">
+              <a:extLst>
+                <a:ext uri="{28A0092B-C50C-407E-A947-70E740481C1C}">
+                  <a14:useLocalDpi xmlns:a14="http://schemas.microsoft.com/office/drawing/2010/main" val="0"/>
+                </a:ext>
+              </a:extLst>
+            </a:blip>
+            <a:stretch>
+              <a:fillRect/>
+            </a:stretch>
+          </p:blipFill>
+          <p:spPr>
+            <a:xfrm>
+              <a:off x="1783131" y="1078998"/>
+              <a:ext cx="3935237" cy="2908386"/>
+            </a:xfrm>
+            <a:prstGeom prst="rect">
+              <a:avLst/>
+            </a:prstGeom>
+          </p:spPr>
+        </p:pic>
+        <p:pic>
+          <p:nvPicPr>
+            <p:cNvPr id="13" name="Picture 12" descr="A screenshot of a cell phone&#10;&#10;Description generated with very high confidence">
+              <a:extLst>
+                <a:ext uri="{FF2B5EF4-FFF2-40B4-BE49-F238E27FC236}">
+                  <a16:creationId xmlns:a16="http://schemas.microsoft.com/office/drawing/2014/main" id="{74120BA5-6DD1-4A68-A511-885CFC225946}"/>
+                </a:ext>
+              </a:extLst>
+            </p:cNvPr>
+            <p:cNvPicPr>
+              <a:picLocks noChangeAspect="1"/>
+            </p:cNvPicPr>
+            <p:nvPr/>
+          </p:nvPicPr>
+          <p:blipFill>
+            <a:blip r:embed="rId4">
+              <a:extLst>
+                <a:ext uri="{28A0092B-C50C-407E-A947-70E740481C1C}">
+                  <a14:useLocalDpi xmlns:a14="http://schemas.microsoft.com/office/drawing/2010/main" val="0"/>
+                </a:ext>
+              </a:extLst>
+            </a:blip>
+            <a:stretch>
+              <a:fillRect/>
+            </a:stretch>
+          </p:blipFill>
+          <p:spPr>
+            <a:xfrm>
+              <a:off x="6032531" y="1078998"/>
+              <a:ext cx="3935236" cy="2908386"/>
+            </a:xfrm>
+            <a:prstGeom prst="rect">
+              <a:avLst/>
+            </a:prstGeom>
+          </p:spPr>
+        </p:pic>
+      </p:grpSp>
+      <p:pic>
+        <p:nvPicPr>
+          <p:cNvPr id="17" name="Picture 16">
+            <a:extLst>
+              <a:ext uri="{FF2B5EF4-FFF2-40B4-BE49-F238E27FC236}">
+                <a16:creationId xmlns:a16="http://schemas.microsoft.com/office/drawing/2014/main" id="{58D081B8-0345-49C4-B568-2FA76C7B2CF7}"/>
+              </a:ext>
+            </a:extLst>
+          </p:cNvPr>
+          <p:cNvPicPr>
+            <a:picLocks noChangeAspect="1"/>
+          </p:cNvPicPr>
+          <p:nvPr/>
+        </p:nvPicPr>
+        <p:blipFill>
+          <a:blip r:embed="rId5"/>
+          <a:stretch>
+            <a:fillRect/>
+          </a:stretch>
+        </p:blipFill>
+        <p:spPr>
+          <a:xfrm>
+            <a:off x="1436063" y="6315075"/>
+            <a:ext cx="7022473" cy="542925"/>
+          </a:xfrm>
+          <a:prstGeom prst="rect">
+            <a:avLst/>
+          </a:prstGeom>
+        </p:spPr>
+      </p:pic>
+    </p:spTree>
+    <p:extLst>
+      <p:ext uri="{BB962C8B-B14F-4D97-AF65-F5344CB8AC3E}">
+        <p14:creationId xmlns:p14="http://schemas.microsoft.com/office/powerpoint/2010/main" val="1023259273"/>
+      </p:ext>
+    </p:extLst>
+  </p:cSld>
+  <p:clrMapOvr>
+    <a:masterClrMapping/>
+  </p:clrMapOvr>
+</p:sld>
+</file>
+
+<file path=ppt/slides/slide8.xml><?xml version="1.0" encoding="utf-8"?>
+<p:sld xmlns:a="http://schemas.openxmlformats.org/drawingml/2006/main" xmlns:r="http://schemas.openxmlformats.org/officeDocument/2006/relationships" xmlns:p="http://schemas.openxmlformats.org/presentationml/2006/main">
+  <p:cSld>
+    <p:spTree>
+      <p:nvGrpSpPr>
+        <p:cNvPr id="1" name=""/>
+        <p:cNvGrpSpPr/>
+        <p:nvPr/>
+      </p:nvGrpSpPr>
+      <p:grpSpPr>
+        <a:xfrm>
+          <a:off x="0" y="0"/>
+          <a:ext cx="0" cy="0"/>
+          <a:chOff x="0" y="0"/>
+          <a:chExt cx="0" cy="0"/>
+        </a:xfrm>
+      </p:grpSpPr>
+      <p:grpSp>
+        <p:nvGrpSpPr>
+          <p:cNvPr id="5" name="Group 4">
+            <a:extLst>
+              <a:ext uri="{FF2B5EF4-FFF2-40B4-BE49-F238E27FC236}">
+                <a16:creationId xmlns:a16="http://schemas.microsoft.com/office/drawing/2014/main" id="{A8D9E39F-DC99-470D-989B-DFE775B6135A}"/>
+              </a:ext>
+            </a:extLst>
+          </p:cNvPr>
+          <p:cNvGrpSpPr/>
+          <p:nvPr/>
+        </p:nvGrpSpPr>
+        <p:grpSpPr>
+          <a:xfrm>
+            <a:off x="1061418" y="322174"/>
+            <a:ext cx="7955788" cy="2997969"/>
+            <a:chOff x="4399704" y="489088"/>
+            <a:chExt cx="7955788" cy="2997969"/>
+          </a:xfrm>
+        </p:grpSpPr>
+        <p:pic>
+          <p:nvPicPr>
+            <p:cNvPr id="3" name="Picture 2" descr="A screenshot of a social media post&#10;&#10;Description generated with very high confidence">
+              <a:extLst>
+                <a:ext uri="{FF2B5EF4-FFF2-40B4-BE49-F238E27FC236}">
+                  <a16:creationId xmlns:a16="http://schemas.microsoft.com/office/drawing/2014/main" id="{6F254DFB-EFE3-4351-8084-01C4E9DF26D3}"/>
+                </a:ext>
+              </a:extLst>
+            </p:cNvPr>
+            <p:cNvPicPr>
+              <a:picLocks noChangeAspect="1"/>
+            </p:cNvPicPr>
+            <p:nvPr/>
+          </p:nvPicPr>
+          <p:blipFill>
+            <a:blip r:embed="rId2">
+              <a:extLst>
+                <a:ext uri="{28A0092B-C50C-407E-A947-70E740481C1C}">
+                  <a14:useLocalDpi xmlns:a14="http://schemas.microsoft.com/office/drawing/2010/main" val="0"/>
+                </a:ext>
+              </a:extLst>
+            </a:blip>
+            <a:stretch>
+              <a:fillRect/>
+            </a:stretch>
+          </p:blipFill>
+          <p:spPr>
+            <a:xfrm>
+              <a:off x="8377598" y="489088"/>
+              <a:ext cx="3977894" cy="2939912"/>
+            </a:xfrm>
+            <a:prstGeom prst="rect">
+              <a:avLst/>
+            </a:prstGeom>
+          </p:spPr>
+        </p:pic>
+        <p:pic>
+          <p:nvPicPr>
+            <p:cNvPr id="4" name="Picture 3" descr="A close up of a map&#10;&#10;Description generated with very high confidence">
+              <a:extLst>
+                <a:ext uri="{FF2B5EF4-FFF2-40B4-BE49-F238E27FC236}">
+                  <a16:creationId xmlns:a16="http://schemas.microsoft.com/office/drawing/2014/main" id="{49A2FB71-0ECE-4E2D-98E9-99EFCA122317}"/>
+                </a:ext>
+              </a:extLst>
+            </p:cNvPr>
+            <p:cNvPicPr>
+              <a:picLocks noChangeAspect="1"/>
+            </p:cNvPicPr>
+            <p:nvPr/>
+          </p:nvPicPr>
+          <p:blipFill>
+            <a:blip r:embed="rId3">
+              <a:extLst>
+                <a:ext uri="{28A0092B-C50C-407E-A947-70E740481C1C}">
+                  <a14:useLocalDpi xmlns:a14="http://schemas.microsoft.com/office/drawing/2010/main" val="0"/>
+                </a:ext>
+              </a:extLst>
+            </a:blip>
+            <a:stretch>
+              <a:fillRect/>
+            </a:stretch>
+          </p:blipFill>
+          <p:spPr>
+            <a:xfrm>
+              <a:off x="4399704" y="547145"/>
+              <a:ext cx="3977894" cy="2939912"/>
+            </a:xfrm>
+            <a:prstGeom prst="rect">
+              <a:avLst/>
+            </a:prstGeom>
+          </p:spPr>
+        </p:pic>
+      </p:grpSp>
+      <p:pic>
+        <p:nvPicPr>
+          <p:cNvPr id="6" name="Picture 5">
+            <a:extLst>
+              <a:ext uri="{FF2B5EF4-FFF2-40B4-BE49-F238E27FC236}">
+                <a16:creationId xmlns:a16="http://schemas.microsoft.com/office/drawing/2014/main" id="{EB4E3536-9113-41FD-A93E-C4245DB297EC}"/>
+              </a:ext>
+            </a:extLst>
+          </p:cNvPr>
+          <p:cNvPicPr>
+            <a:picLocks noChangeAspect="1"/>
+          </p:cNvPicPr>
+          <p:nvPr/>
+        </p:nvPicPr>
+        <p:blipFill>
+          <a:blip r:embed="rId4"/>
+          <a:stretch>
+            <a:fillRect/>
+          </a:stretch>
+        </p:blipFill>
+        <p:spPr>
+          <a:xfrm>
+            <a:off x="1247448" y="3653972"/>
+            <a:ext cx="7583727" cy="3087914"/>
+          </a:xfrm>
+          <a:prstGeom prst="rect">
+            <a:avLst/>
+          </a:prstGeom>
+        </p:spPr>
+      </p:pic>
+      <p:pic>
+        <p:nvPicPr>
+          <p:cNvPr id="8" name="Picture 7">
+            <a:extLst>
+              <a:ext uri="{FF2B5EF4-FFF2-40B4-BE49-F238E27FC236}">
+                <a16:creationId xmlns:a16="http://schemas.microsoft.com/office/drawing/2014/main" id="{3592A2A1-583B-47D3-8226-64148E289244}"/>
+              </a:ext>
+            </a:extLst>
+          </p:cNvPr>
+          <p:cNvPicPr>
+            <a:picLocks noChangeAspect="1"/>
+          </p:cNvPicPr>
+          <p:nvPr/>
+        </p:nvPicPr>
+        <p:blipFill>
+          <a:blip r:embed="rId5"/>
+          <a:stretch>
+            <a:fillRect/>
+          </a:stretch>
+        </p:blipFill>
+        <p:spPr>
+          <a:xfrm>
+            <a:off x="1754413" y="6507390"/>
+            <a:ext cx="6975929" cy="542925"/>
+          </a:xfrm>
+          <a:prstGeom prst="rect">
+            <a:avLst/>
+          </a:prstGeom>
+        </p:spPr>
+      </p:pic>
+    </p:spTree>
+    <p:extLst>
+      <p:ext uri="{BB962C8B-B14F-4D97-AF65-F5344CB8AC3E}">
+        <p14:creationId xmlns:p14="http://schemas.microsoft.com/office/powerpoint/2010/main" val="4154893946"/>
       </p:ext>
     </p:extLst>
   </p:cSld>
